--- a/Types of Views in Oracle Database.pptx
+++ b/Types of Views in Oracle Database.pptx
@@ -12,7 +12,7 @@
     <p:sldId id="267" r:id="rId6"/>
     <p:sldId id="258" r:id="rId7"/>
     <p:sldId id="259" r:id="rId8"/>
-    <p:sldId id="260" r:id="rId9"/>
+    <p:sldId id="269" r:id="rId9"/>
     <p:sldId id="261" r:id="rId10"/>
     <p:sldId id="262" r:id="rId11"/>
     <p:sldId id="263" r:id="rId12"/>
@@ -272,7 +272,7 @@
           <a:p>
             <a:fld id="{C6FA6F0D-FD68-47A9-AEF2-CFE6F0F91257}" type="datetimeFigureOut">
               <a:rPr lang="en-IN" smtClean="0"/>
-              <a:t>11-09-2025</a:t>
+              <a:t>12-09-2025</a:t>
             </a:fld>
             <a:endParaRPr lang="en-IN"/>
           </a:p>
@@ -472,7 +472,7 @@
           <a:p>
             <a:fld id="{C6FA6F0D-FD68-47A9-AEF2-CFE6F0F91257}" type="datetimeFigureOut">
               <a:rPr lang="en-IN" smtClean="0"/>
-              <a:t>11-09-2025</a:t>
+              <a:t>12-09-2025</a:t>
             </a:fld>
             <a:endParaRPr lang="en-IN"/>
           </a:p>
@@ -682,7 +682,7 @@
           <a:p>
             <a:fld id="{C6FA6F0D-FD68-47A9-AEF2-CFE6F0F91257}" type="datetimeFigureOut">
               <a:rPr lang="en-IN" smtClean="0"/>
-              <a:t>11-09-2025</a:t>
+              <a:t>12-09-2025</a:t>
             </a:fld>
             <a:endParaRPr lang="en-IN"/>
           </a:p>
@@ -882,7 +882,7 @@
           <a:p>
             <a:fld id="{C6FA6F0D-FD68-47A9-AEF2-CFE6F0F91257}" type="datetimeFigureOut">
               <a:rPr lang="en-IN" smtClean="0"/>
-              <a:t>11-09-2025</a:t>
+              <a:t>12-09-2025</a:t>
             </a:fld>
             <a:endParaRPr lang="en-IN"/>
           </a:p>
@@ -1158,7 +1158,7 @@
           <a:p>
             <a:fld id="{C6FA6F0D-FD68-47A9-AEF2-CFE6F0F91257}" type="datetimeFigureOut">
               <a:rPr lang="en-IN" smtClean="0"/>
-              <a:t>11-09-2025</a:t>
+              <a:t>12-09-2025</a:t>
             </a:fld>
             <a:endParaRPr lang="en-IN"/>
           </a:p>
@@ -1426,7 +1426,7 @@
           <a:p>
             <a:fld id="{C6FA6F0D-FD68-47A9-AEF2-CFE6F0F91257}" type="datetimeFigureOut">
               <a:rPr lang="en-IN" smtClean="0"/>
-              <a:t>11-09-2025</a:t>
+              <a:t>12-09-2025</a:t>
             </a:fld>
             <a:endParaRPr lang="en-IN"/>
           </a:p>
@@ -1841,7 +1841,7 @@
           <a:p>
             <a:fld id="{C6FA6F0D-FD68-47A9-AEF2-CFE6F0F91257}" type="datetimeFigureOut">
               <a:rPr lang="en-IN" smtClean="0"/>
-              <a:t>11-09-2025</a:t>
+              <a:t>12-09-2025</a:t>
             </a:fld>
             <a:endParaRPr lang="en-IN"/>
           </a:p>
@@ -1983,7 +1983,7 @@
           <a:p>
             <a:fld id="{C6FA6F0D-FD68-47A9-AEF2-CFE6F0F91257}" type="datetimeFigureOut">
               <a:rPr lang="en-IN" smtClean="0"/>
-              <a:t>11-09-2025</a:t>
+              <a:t>12-09-2025</a:t>
             </a:fld>
             <a:endParaRPr lang="en-IN"/>
           </a:p>
@@ -2096,7 +2096,7 @@
           <a:p>
             <a:fld id="{C6FA6F0D-FD68-47A9-AEF2-CFE6F0F91257}" type="datetimeFigureOut">
               <a:rPr lang="en-IN" smtClean="0"/>
-              <a:t>11-09-2025</a:t>
+              <a:t>12-09-2025</a:t>
             </a:fld>
             <a:endParaRPr lang="en-IN"/>
           </a:p>
@@ -2409,7 +2409,7 @@
           <a:p>
             <a:fld id="{C6FA6F0D-FD68-47A9-AEF2-CFE6F0F91257}" type="datetimeFigureOut">
               <a:rPr lang="en-IN" smtClean="0"/>
-              <a:t>11-09-2025</a:t>
+              <a:t>12-09-2025</a:t>
             </a:fld>
             <a:endParaRPr lang="en-IN"/>
           </a:p>
@@ -2698,7 +2698,7 @@
           <a:p>
             <a:fld id="{C6FA6F0D-FD68-47A9-AEF2-CFE6F0F91257}" type="datetimeFigureOut">
               <a:rPr lang="en-IN" smtClean="0"/>
-              <a:t>11-09-2025</a:t>
+              <a:t>12-09-2025</a:t>
             </a:fld>
             <a:endParaRPr lang="en-IN"/>
           </a:p>
@@ -2941,7 +2941,7 @@
           <a:p>
             <a:fld id="{C6FA6F0D-FD68-47A9-AEF2-CFE6F0F91257}" type="datetimeFigureOut">
               <a:rPr lang="en-IN" smtClean="0"/>
-              <a:t>11-09-2025</a:t>
+              <a:t>12-09-2025</a:t>
             </a:fld>
             <a:endParaRPr lang="en-IN"/>
           </a:p>
@@ -3787,7 +3787,7 @@
             </a:pPr>
             <a:r>
               <a:rPr lang="en-IN" dirty="0"/>
-              <a:t>                                                      </a:t>
+              <a:t>                                                    </a:t>
             </a:r>
             <a:r>
               <a:rPr lang="en-IN" sz="3600" b="1" dirty="0"/>
@@ -3844,7 +3844,7 @@
         </p:nvSpPr>
         <p:spPr>
           <a:xfrm>
-            <a:off x="731123" y="1057075"/>
+            <a:off x="674246" y="375758"/>
             <a:ext cx="8596668" cy="815788"/>
           </a:xfrm>
         </p:spPr>
@@ -3879,8 +3879,8 @@
         </p:nvSpPr>
         <p:spPr bwMode="auto">
           <a:xfrm>
-            <a:off x="605616" y="2308880"/>
-            <a:ext cx="8733929" cy="2544286"/>
+            <a:off x="605616" y="1405044"/>
+            <a:ext cx="9587255" cy="4351961"/>
           </a:xfrm>
           <a:prstGeom prst="rect">
             <a:avLst/>
@@ -3920,7 +3920,7 @@
           </a:extLst>
         </p:spPr>
         <p:txBody>
-          <a:bodyPr vert="horz" wrap="none" lIns="91440" tIns="45720" rIns="91440" bIns="45720" numCol="1" anchor="ctr" anchorCtr="0" compatLnSpc="1">
+          <a:bodyPr vert="horz" wrap="square" lIns="91440" tIns="45720" rIns="91440" bIns="45720" numCol="1" anchor="ctr" anchorCtr="0" compatLnSpc="1">
             <a:prstTxWarp prst="textNoShape">
               <a:avLst/>
             </a:prstTxWarp>
@@ -3946,7 +3946,29 @@
             </a:r>
             <a:r>
               <a:rPr lang="en-US" sz="2400" dirty="0"/>
-              <a:t> (no data stored) created from a SQL query.</a:t>
+              <a:t> (no data stored).</a:t>
+            </a:r>
+          </a:p>
+          <a:p>
+            <a:r>
+              <a:rPr lang="en-US" sz="2400" dirty="0"/>
+              <a:t>It does </a:t>
+            </a:r>
+            <a:r>
+              <a:rPr lang="en-US" sz="2400" b="1" dirty="0"/>
+              <a:t>not store actual data</a:t>
+            </a:r>
+            <a:r>
+              <a:rPr lang="en-US" sz="2400" dirty="0"/>
+              <a:t>, only the </a:t>
+            </a:r>
+            <a:r>
+              <a:rPr lang="en-US" sz="2400" b="1" dirty="0"/>
+              <a:t>query definition</a:t>
+            </a:r>
+            <a:r>
+              <a:rPr lang="en-US" sz="2400" dirty="0"/>
+              <a:t>.</a:t>
             </a:r>
           </a:p>
           <a:p>
@@ -3984,8 +4006,120 @@
             </a:pPr>
             <a:r>
               <a:rPr lang="en-US" sz="2400" dirty="0"/>
-              <a:t>      presentations to users.</a:t>
-            </a:r>
+              <a:t>      presentations to users.      </a:t>
+            </a:r>
+          </a:p>
+          <a:p>
+            <a:pPr marL="0" lvl="0" indent="0" eaLnBrk="0" fontAlgn="base" hangingPunct="0">
+              <a:lnSpc>
+                <a:spcPct val="100000"/>
+              </a:lnSpc>
+              <a:spcBef>
+                <a:spcPct val="0"/>
+              </a:spcBef>
+              <a:spcAft>
+                <a:spcPct val="0"/>
+              </a:spcAft>
+              <a:buNone/>
+            </a:pPr>
+            <a:r>
+              <a:rPr lang="en-US" altLang="en-US" sz="1800" b="1" dirty="0">
+                <a:latin typeface="Arial" panose="020B0604020202020204" pitchFamily="34" charset="0"/>
+              </a:rPr>
+              <a:t>         Bank System</a:t>
+            </a:r>
+            <a:r>
+              <a:rPr lang="en-US" altLang="en-US" sz="1800" dirty="0">
+                <a:latin typeface="Arial" panose="020B0604020202020204" pitchFamily="34" charset="0"/>
+              </a:rPr>
+              <a:t>:</a:t>
+            </a:r>
+          </a:p>
+          <a:p>
+            <a:pPr marL="914400" lvl="2" indent="0" eaLnBrk="0" fontAlgn="base" hangingPunct="0">
+              <a:lnSpc>
+                <a:spcPct val="100000"/>
+              </a:lnSpc>
+              <a:spcBef>
+                <a:spcPct val="0"/>
+              </a:spcBef>
+              <a:spcAft>
+                <a:spcPct val="0"/>
+              </a:spcAft>
+              <a:buFontTx/>
+              <a:buChar char="•"/>
+            </a:pPr>
+            <a:r>
+              <a:rPr lang="en-US" altLang="en-US" sz="1800" b="1" dirty="0">
+                <a:latin typeface="Arial" panose="020B0604020202020204" pitchFamily="34" charset="0"/>
+              </a:rPr>
+              <a:t>  Customer</a:t>
+            </a:r>
+            <a:r>
+              <a:rPr lang="en-US" altLang="en-US" sz="1800" dirty="0">
+                <a:latin typeface="Arial" panose="020B0604020202020204" pitchFamily="34" charset="0"/>
+              </a:rPr>
+              <a:t> only sees his transactions (</a:t>
+            </a:r>
+            <a:r>
+              <a:rPr lang="en-US" altLang="en-US" sz="1800" dirty="0">
+                <a:latin typeface="Arial Unicode MS"/>
+              </a:rPr>
+              <a:t>CUSTOMER_VIEW</a:t>
+            </a:r>
+            <a:r>
+              <a:rPr lang="en-US" altLang="en-US" sz="1800" dirty="0"/>
+              <a:t>).</a:t>
+            </a:r>
+            <a:endParaRPr lang="en-US" altLang="en-US" sz="1800" dirty="0">
+              <a:latin typeface="Arial" panose="020B0604020202020204" pitchFamily="34" charset="0"/>
+            </a:endParaRPr>
+          </a:p>
+          <a:p>
+            <a:pPr marL="914400" lvl="2" indent="0" eaLnBrk="0" fontAlgn="base" hangingPunct="0">
+              <a:lnSpc>
+                <a:spcPct val="100000"/>
+              </a:lnSpc>
+              <a:spcBef>
+                <a:spcPct val="0"/>
+              </a:spcBef>
+              <a:spcAft>
+                <a:spcPct val="0"/>
+              </a:spcAft>
+              <a:buFontTx/>
+              <a:buChar char="•"/>
+            </a:pPr>
+            <a:r>
+              <a:rPr lang="en-US" altLang="en-US" sz="1800" b="1" dirty="0">
+                <a:latin typeface="Arial" panose="020B0604020202020204" pitchFamily="34" charset="0"/>
+              </a:rPr>
+              <a:t>  Manager</a:t>
+            </a:r>
+            <a:r>
+              <a:rPr lang="en-US" altLang="en-US" sz="1800" dirty="0">
+                <a:latin typeface="Arial" panose="020B0604020202020204" pitchFamily="34" charset="0"/>
+              </a:rPr>
+              <a:t> sees all customer accounts summary (</a:t>
+            </a:r>
+            <a:r>
+              <a:rPr lang="en-US" altLang="en-US" sz="1800" dirty="0">
+                <a:latin typeface="Arial Unicode MS"/>
+              </a:rPr>
+              <a:t>MANAGER_VIEW</a:t>
+            </a:r>
+            <a:r>
+              <a:rPr lang="en-US" altLang="en-US" sz="1800" dirty="0"/>
+              <a:t>).</a:t>
+            </a:r>
+            <a:endParaRPr lang="en-US" altLang="en-US" sz="1800" dirty="0">
+              <a:latin typeface="Arial" panose="020B0604020202020204" pitchFamily="34" charset="0"/>
+            </a:endParaRPr>
+          </a:p>
+          <a:p>
+            <a:pPr marL="0" indent="0">
+              <a:buNone/>
+            </a:pPr>
+            <a:endParaRPr lang="en-US" sz="2400" dirty="0"/>
           </a:p>
           <a:p>
             <a:pPr marL="0" marR="0" lvl="0" indent="0" algn="l" defTabSz="914400" rtl="0" eaLnBrk="0" fontAlgn="base" latinLnBrk="0" hangingPunct="0">
@@ -4103,8 +4237,21 @@
             </a:r>
             <a:r>
               <a:rPr lang="en-US" dirty="0"/>
-              <a:t> = Metadata repository (about tables, views, indexes, etc.).</a:t>
-            </a:r>
+              <a:t> = Stores Metadata (</a:t>
+            </a:r>
+            <a:r>
+              <a:rPr lang="en-IN" dirty="0"/>
+              <a:t>information about tables, views, users, indexes, </a:t>
+            </a:r>
+            <a:r>
+              <a:rPr lang="en-IN" dirty="0" err="1"/>
+              <a:t>constraints,etc</a:t>
+            </a:r>
+            <a:r>
+              <a:rPr lang="en-IN" dirty="0"/>
+              <a:t>)</a:t>
+            </a:r>
+            <a:endParaRPr lang="en-US" dirty="0"/>
           </a:p>
           <a:p>
             <a:r>
@@ -4168,6 +4315,9 @@
             </a:r>
           </a:p>
           <a:p>
+            <a:pPr marL="0" indent="0">
+              <a:buNone/>
+            </a:pPr>
             <a:endParaRPr lang="en-IN" dirty="0"/>
           </a:p>
         </p:txBody>
@@ -4204,10 +4354,10 @@
       </p:grpSpPr>
       <p:sp>
         <p:nvSpPr>
-          <p:cNvPr id="4" name="Rectangle 1">
-            <a:extLst>
-              <a:ext uri="{FF2B5EF4-FFF2-40B4-BE49-F238E27FC236}">
-                <a16:creationId xmlns:a16="http://schemas.microsoft.com/office/drawing/2014/main" id="{7C53B9FC-8362-4040-92DB-EC5019EC17CA}"/>
+          <p:cNvPr id="5" name="Rectangle 3">
+            <a:extLst>
+              <a:ext uri="{FF2B5EF4-FFF2-40B4-BE49-F238E27FC236}">
+                <a16:creationId xmlns:a16="http://schemas.microsoft.com/office/drawing/2014/main" id="{6DADBAB1-4EB2-402B-B9CF-27F35B1499CA}"/>
               </a:ext>
             </a:extLst>
           </p:cNvPr>
@@ -4220,8 +4370,8 @@
         </p:nvSpPr>
         <p:spPr bwMode="auto">
           <a:xfrm>
-            <a:off x="542364" y="997563"/>
-            <a:ext cx="10349753" cy="4862870"/>
+            <a:off x="533961" y="-132734"/>
+            <a:ext cx="7909153" cy="7918578"/>
           </a:xfrm>
           <a:prstGeom prst="rect">
             <a:avLst/>
@@ -4261,13 +4411,271 @@
           </a:extLst>
         </p:spPr>
         <p:txBody>
-          <a:bodyPr vert="horz" wrap="square" lIns="91440" tIns="45720" rIns="91440" bIns="45720" numCol="1" anchor="ctr" anchorCtr="0" compatLnSpc="1">
+          <a:bodyPr vert="horz" wrap="none" lIns="91440" tIns="45720" rIns="91440" bIns="45720" numCol="1" anchor="ctr" anchorCtr="0" compatLnSpc="1">
             <a:prstTxWarp prst="textNoShape">
               <a:avLst/>
             </a:prstTxWarp>
             <a:spAutoFit/>
           </a:bodyPr>
           <a:lstStyle/>
+          <a:p>
+            <a:pPr marL="0" lvl="0" indent="0" eaLnBrk="0" fontAlgn="base" hangingPunct="0">
+              <a:lnSpc>
+                <a:spcPct val="100000"/>
+              </a:lnSpc>
+              <a:spcBef>
+                <a:spcPct val="0"/>
+              </a:spcBef>
+              <a:spcAft>
+                <a:spcPct val="0"/>
+              </a:spcAft>
+              <a:buNone/>
+            </a:pPr>
+            <a:endParaRPr lang="en-US" altLang="en-US" b="1" dirty="0">
+              <a:latin typeface="Arial" panose="020B0604020202020204" pitchFamily="34" charset="0"/>
+            </a:endParaRPr>
+          </a:p>
+          <a:p>
+            <a:pPr marL="0" lvl="0" indent="0" eaLnBrk="0" fontAlgn="base" hangingPunct="0">
+              <a:lnSpc>
+                <a:spcPct val="100000"/>
+              </a:lnSpc>
+              <a:spcBef>
+                <a:spcPct val="0"/>
+              </a:spcBef>
+              <a:spcAft>
+                <a:spcPct val="0"/>
+              </a:spcAft>
+              <a:buNone/>
+            </a:pPr>
+            <a:r>
+              <a:rPr lang="en-US" altLang="en-US" sz="1600" b="1" dirty="0">
+                <a:latin typeface="Arial" panose="020B0604020202020204" pitchFamily="34" charset="0"/>
+              </a:rPr>
+              <a:t>Internal Data Dictionary Tables</a:t>
+            </a:r>
+          </a:p>
+          <a:p>
+            <a:pPr marL="0" lvl="0" indent="0" eaLnBrk="0" fontAlgn="base" hangingPunct="0">
+              <a:lnSpc>
+                <a:spcPct val="100000"/>
+              </a:lnSpc>
+              <a:spcBef>
+                <a:spcPct val="0"/>
+              </a:spcBef>
+              <a:spcAft>
+                <a:spcPct val="0"/>
+              </a:spcAft>
+              <a:buNone/>
+            </a:pPr>
+            <a:endParaRPr lang="en-US" altLang="en-US" sz="1600" b="1" dirty="0">
+              <a:latin typeface="Arial" panose="020B0604020202020204" pitchFamily="34" charset="0"/>
+            </a:endParaRPr>
+          </a:p>
+          <a:p>
+            <a:pPr eaLnBrk="0" fontAlgn="base" hangingPunct="0">
+              <a:lnSpc>
+                <a:spcPct val="100000"/>
+              </a:lnSpc>
+              <a:spcBef>
+                <a:spcPct val="0"/>
+              </a:spcBef>
+              <a:spcAft>
+                <a:spcPct val="0"/>
+              </a:spcAft>
+            </a:pPr>
+            <a:r>
+              <a:rPr lang="en-US" altLang="en-US" sz="1600" dirty="0">
+                <a:latin typeface="Arial" panose="020B0604020202020204" pitchFamily="34" charset="0"/>
+              </a:rPr>
+              <a:t>Oracle stores its </a:t>
+            </a:r>
+            <a:r>
+              <a:rPr lang="en-US" altLang="en-US" sz="1600" b="1" dirty="0">
+                <a:latin typeface="Arial" panose="020B0604020202020204" pitchFamily="34" charset="0"/>
+              </a:rPr>
+              <a:t>core metadata</a:t>
+            </a:r>
+            <a:r>
+              <a:rPr lang="en-US" altLang="en-US" sz="1600" dirty="0">
+                <a:latin typeface="Arial" panose="020B0604020202020204" pitchFamily="34" charset="0"/>
+              </a:rPr>
+              <a:t> in </a:t>
+            </a:r>
+            <a:r>
+              <a:rPr lang="en-US" altLang="en-US" sz="1600" b="1" dirty="0">
+                <a:latin typeface="Arial" panose="020B0604020202020204" pitchFamily="34" charset="0"/>
+              </a:rPr>
+              <a:t>internal base tables</a:t>
+            </a:r>
+          </a:p>
+          <a:p>
+            <a:pPr marL="0" lvl="0" indent="0" eaLnBrk="0" fontAlgn="base" hangingPunct="0">
+              <a:lnSpc>
+                <a:spcPct val="100000"/>
+              </a:lnSpc>
+              <a:spcBef>
+                <a:spcPct val="0"/>
+              </a:spcBef>
+              <a:spcAft>
+                <a:spcPct val="0"/>
+              </a:spcAft>
+              <a:buNone/>
+            </a:pPr>
+            <a:r>
+              <a:rPr lang="en-US" altLang="en-US" sz="1600" b="1" dirty="0">
+                <a:latin typeface="Arial" panose="020B0604020202020204" pitchFamily="34" charset="0"/>
+              </a:rPr>
+              <a:t>  </a:t>
+            </a:r>
+            <a:r>
+              <a:rPr lang="en-US" altLang="en-US" sz="1600" dirty="0">
+                <a:latin typeface="Arial" panose="020B0604020202020204" pitchFamily="34" charset="0"/>
+              </a:rPr>
+              <a:t> that live in the </a:t>
+            </a:r>
+            <a:r>
+              <a:rPr lang="en-US" altLang="en-US" sz="1600" dirty="0">
+                <a:latin typeface="Arial Unicode MS"/>
+              </a:rPr>
+              <a:t>SYS</a:t>
+            </a:r>
+            <a:r>
+              <a:rPr lang="en-US" altLang="en-US" sz="1600" dirty="0"/>
+              <a:t> schema.</a:t>
+            </a:r>
+            <a:endParaRPr lang="en-US" altLang="en-US" sz="1600" dirty="0">
+              <a:latin typeface="Arial" panose="020B0604020202020204" pitchFamily="34" charset="0"/>
+            </a:endParaRPr>
+          </a:p>
+          <a:p>
+            <a:pPr eaLnBrk="0" fontAlgn="base" hangingPunct="0">
+              <a:lnSpc>
+                <a:spcPct val="100000"/>
+              </a:lnSpc>
+              <a:spcBef>
+                <a:spcPct val="0"/>
+              </a:spcBef>
+              <a:spcAft>
+                <a:spcPct val="0"/>
+              </a:spcAft>
+            </a:pPr>
+            <a:r>
+              <a:rPr lang="en-US" altLang="en-US" sz="1600" dirty="0">
+                <a:latin typeface="Arial" panose="020B0604020202020204" pitchFamily="34" charset="0"/>
+              </a:rPr>
+              <a:t>These tables are created automatically when the database is installed.</a:t>
+            </a:r>
+          </a:p>
+          <a:p>
+            <a:pPr eaLnBrk="0" fontAlgn="base" hangingPunct="0">
+              <a:lnSpc>
+                <a:spcPct val="100000"/>
+              </a:lnSpc>
+              <a:spcBef>
+                <a:spcPct val="0"/>
+              </a:spcBef>
+              <a:spcAft>
+                <a:spcPct val="0"/>
+              </a:spcAft>
+            </a:pPr>
+            <a:r>
+              <a:rPr lang="en-US" altLang="en-US" sz="1600" b="1" dirty="0">
+                <a:latin typeface="Arial" panose="020B0604020202020204" pitchFamily="34" charset="0"/>
+              </a:rPr>
+              <a:t>You normally don’t access them directly</a:t>
+            </a:r>
+            <a:r>
+              <a:rPr lang="en-US" altLang="en-US" sz="1600" dirty="0">
+                <a:latin typeface="Arial" panose="020B0604020202020204" pitchFamily="34" charset="0"/>
+              </a:rPr>
+              <a:t> (they are undocumented and</a:t>
+            </a:r>
+          </a:p>
+          <a:p>
+            <a:pPr marL="0" lvl="0" indent="0" eaLnBrk="0" fontAlgn="base" hangingPunct="0">
+              <a:lnSpc>
+                <a:spcPct val="100000"/>
+              </a:lnSpc>
+              <a:spcBef>
+                <a:spcPct val="0"/>
+              </a:spcBef>
+              <a:spcAft>
+                <a:spcPct val="0"/>
+              </a:spcAft>
+              <a:buNone/>
+            </a:pPr>
+            <a:r>
+              <a:rPr lang="en-US" altLang="en-US" sz="1600" dirty="0">
+                <a:latin typeface="Arial" panose="020B0604020202020204" pitchFamily="34" charset="0"/>
+              </a:rPr>
+              <a:t>   can change between versions).</a:t>
+            </a:r>
+          </a:p>
+          <a:p>
+            <a:pPr eaLnBrk="0" fontAlgn="base" hangingPunct="0">
+              <a:lnSpc>
+                <a:spcPct val="100000"/>
+              </a:lnSpc>
+              <a:spcBef>
+                <a:spcPct val="0"/>
+              </a:spcBef>
+              <a:spcAft>
+                <a:spcPct val="0"/>
+              </a:spcAft>
+            </a:pPr>
+            <a:r>
+              <a:rPr lang="en-US" altLang="en-US" sz="1600" dirty="0">
+                <a:latin typeface="Arial" panose="020B0604020202020204" pitchFamily="34" charset="0"/>
+              </a:rPr>
+              <a:t>Instead, Oracle gives you </a:t>
+            </a:r>
+            <a:r>
+              <a:rPr lang="en-US" altLang="en-US" sz="1600" b="1" dirty="0">
+                <a:latin typeface="Arial" panose="020B0604020202020204" pitchFamily="34" charset="0"/>
+              </a:rPr>
+              <a:t>safe views</a:t>
+            </a:r>
+            <a:r>
+              <a:rPr lang="en-US" altLang="en-US" sz="1600" dirty="0">
+                <a:latin typeface="Arial" panose="020B0604020202020204" pitchFamily="34" charset="0"/>
+              </a:rPr>
+              <a:t> (</a:t>
+            </a:r>
+            <a:r>
+              <a:rPr lang="en-US" altLang="en-US" sz="1600" dirty="0">
+                <a:latin typeface="Arial Unicode MS"/>
+              </a:rPr>
+              <a:t>USER_*</a:t>
+            </a:r>
+            <a:r>
+              <a:rPr lang="en-US" altLang="en-US" sz="1600" dirty="0"/>
+              <a:t>, </a:t>
+            </a:r>
+            <a:r>
+              <a:rPr lang="en-US" altLang="en-US" sz="1600" dirty="0">
+                <a:latin typeface="Arial Unicode MS"/>
+              </a:rPr>
+              <a:t>ALL_*</a:t>
+            </a:r>
+            <a:r>
+              <a:rPr lang="en-US" altLang="en-US" sz="1600" dirty="0"/>
+              <a:t>, </a:t>
+            </a:r>
+            <a:r>
+              <a:rPr lang="en-US" altLang="en-US" sz="1600" dirty="0">
+                <a:latin typeface="Arial Unicode MS"/>
+              </a:rPr>
+              <a:t>DBA_*</a:t>
+            </a:r>
+            <a:r>
+              <a:rPr lang="en-US" altLang="en-US" sz="1600" dirty="0"/>
+              <a:t>) built on top of them.</a:t>
+            </a:r>
+            <a:endParaRPr lang="en-US" altLang="en-US" sz="1600" dirty="0">
+              <a:latin typeface="Arial" panose="020B0604020202020204" pitchFamily="34" charset="0"/>
+            </a:endParaRPr>
+          </a:p>
           <a:p>
             <a:pPr marL="0" marR="0" lvl="0" indent="0" algn="l" defTabSz="914400" rtl="0" eaLnBrk="0" fontAlgn="base" latinLnBrk="0" hangingPunct="0">
               <a:lnSpc>
@@ -4282,38 +4690,22 @@
               <a:buClrTx/>
               <a:buSzTx/>
               <a:buFontTx/>
-              <a:buChar char="•"/>
+              <a:buNone/>
               <a:tabLst/>
             </a:pPr>
-            <a:r>
-              <a:rPr kumimoji="0" lang="en-US" altLang="en-US" sz="1600" b="0" i="0" u="none" strike="noStrike" cap="none" normalizeH="0" baseline="0" dirty="0">
-                <a:ln>
-                  <a:noFill/>
-                </a:ln>
-                <a:solidFill>
-                  <a:schemeClr val="tx1"/>
-                </a:solidFill>
-                <a:effectLst/>
-                <a:latin typeface="Arial" panose="020B0604020202020204" pitchFamily="34" charset="0"/>
-              </a:rPr>
-              <a:t>The actual data dictionary is stored in </a:t>
-            </a:r>
-            <a:r>
-              <a:rPr kumimoji="0" lang="en-US" altLang="en-US" sz="1600" b="1" i="0" u="none" strike="noStrike" cap="none" normalizeH="0" baseline="0" dirty="0">
-                <a:ln>
-                  <a:noFill/>
-                </a:ln>
-                <a:solidFill>
-                  <a:schemeClr val="tx1"/>
-                </a:solidFill>
-                <a:effectLst/>
-                <a:latin typeface="Arial" panose="020B0604020202020204" pitchFamily="34" charset="0"/>
-              </a:rPr>
-              <a:t>internal base tables owned by the   </a:t>
-            </a:r>
-          </a:p>
-          <a:p>
-            <a:pPr marL="0" marR="0" lvl="0" indent="0" algn="l" defTabSz="914400" rtl="0" eaLnBrk="0" fontAlgn="base" latinLnBrk="0" hangingPunct="0">
+            <a:endParaRPr kumimoji="0" lang="en-US" altLang="en-US" sz="1800" b="0" i="0" u="none" strike="noStrike" cap="none" normalizeH="0" baseline="0" dirty="0">
+              <a:ln>
+                <a:noFill/>
+              </a:ln>
+              <a:solidFill>
+                <a:schemeClr val="tx1"/>
+              </a:solidFill>
+              <a:effectLst/>
+              <a:latin typeface="Arial" panose="020B0604020202020204" pitchFamily="34" charset="0"/>
+            </a:endParaRPr>
+          </a:p>
+          <a:p>
+            <a:pPr marL="0" lvl="0" indent="0" eaLnBrk="0" fontAlgn="base" hangingPunct="0">
               <a:lnSpc>
                 <a:spcPct val="100000"/>
               </a:lnSpc>
@@ -4323,40 +4715,15 @@
               <a:spcAft>
                 <a:spcPct val="0"/>
               </a:spcAft>
-              <a:buClrTx/>
-              <a:buSzTx/>
-              <a:buNone/>
-              <a:tabLst/>
-            </a:pPr>
-            <a:r>
-              <a:rPr kumimoji="0" lang="en-US" altLang="en-US" sz="1600" b="1" i="0" u="none" strike="noStrike" cap="none" normalizeH="0" baseline="0" dirty="0">
-                <a:ln>
-                  <a:noFill/>
-                </a:ln>
-                <a:solidFill>
-                  <a:schemeClr val="tx1"/>
-                </a:solidFill>
-                <a:effectLst/>
-                <a:latin typeface="Arial" panose="020B0604020202020204" pitchFamily="34" charset="0"/>
-              </a:rPr>
-              <a:t>  SYS schema</a:t>
-            </a:r>
-            <a:r>
-              <a:rPr kumimoji="0" lang="en-US" altLang="en-US" sz="1600" b="0" i="0" u="none" strike="noStrike" cap="none" normalizeH="0" baseline="0" dirty="0">
-                <a:ln>
-                  <a:noFill/>
-                </a:ln>
-                <a:solidFill>
-                  <a:schemeClr val="tx1"/>
-                </a:solidFill>
-                <a:effectLst/>
-                <a:latin typeface="Arial" panose="020B0604020202020204" pitchFamily="34" charset="0"/>
-              </a:rPr>
-              <a:t>.</a:t>
-            </a:r>
-          </a:p>
-          <a:p>
-            <a:pPr marL="0" marR="0" lvl="0" indent="0" algn="l" defTabSz="914400" rtl="0" eaLnBrk="0" fontAlgn="base" latinLnBrk="0" hangingPunct="0">
+              <a:buNone/>
+            </a:pPr>
+            <a:r>
+              <a:rPr lang="en-IN" sz="2000" b="1" dirty="0"/>
+              <a:t>SYS Tables</a:t>
+            </a:r>
+          </a:p>
+          <a:p>
+            <a:pPr lvl="1" eaLnBrk="0" fontAlgn="base" hangingPunct="0">
               <a:lnSpc>
                 <a:spcPct val="100000"/>
               </a:lnSpc>
@@ -4366,12 +4733,52 @@
               <a:spcAft>
                 <a:spcPct val="0"/>
               </a:spcAft>
-              <a:buClrTx/>
-              <a:buSzTx/>
-              <a:buNone/>
-              <a:tabLst/>
-            </a:pPr>
-            <a:endParaRPr kumimoji="0" lang="en-US" altLang="en-US" sz="1600" b="0" i="0" u="none" strike="noStrike" cap="none" normalizeH="0" baseline="0" dirty="0">
+              <a:buFont typeface="Wingdings" panose="05000000000000000000" pitchFamily="2" charset="2"/>
+              <a:buChar char="§"/>
+            </a:pPr>
+            <a:r>
+              <a:rPr lang="en-IN" sz="1600" dirty="0"/>
+              <a:t>SYS.OBJ$</a:t>
+            </a:r>
+          </a:p>
+          <a:p>
+            <a:pPr lvl="1" eaLnBrk="0" fontAlgn="base" hangingPunct="0">
+              <a:lnSpc>
+                <a:spcPct val="100000"/>
+              </a:lnSpc>
+              <a:spcBef>
+                <a:spcPct val="0"/>
+              </a:spcBef>
+              <a:spcAft>
+                <a:spcPct val="0"/>
+              </a:spcAft>
+              <a:buFont typeface="Wingdings" panose="05000000000000000000" pitchFamily="2" charset="2"/>
+              <a:buChar char="§"/>
+            </a:pPr>
+            <a:r>
+              <a:rPr lang="en-IN" sz="1600" dirty="0"/>
+              <a:t>SYS.USER$</a:t>
+            </a:r>
+          </a:p>
+          <a:p>
+            <a:pPr lvl="1" eaLnBrk="0" fontAlgn="base" hangingPunct="0">
+              <a:lnSpc>
+                <a:spcPct val="100000"/>
+              </a:lnSpc>
+              <a:spcBef>
+                <a:spcPct val="0"/>
+              </a:spcBef>
+              <a:spcAft>
+                <a:spcPct val="0"/>
+              </a:spcAft>
+              <a:buFont typeface="Wingdings" panose="05000000000000000000" pitchFamily="2" charset="2"/>
+              <a:buChar char="§"/>
+            </a:pPr>
+            <a:r>
+              <a:rPr lang="en-IN" sz="1600" dirty="0"/>
+              <a:t>SYS.SOURCE$</a:t>
+            </a:r>
+            <a:endParaRPr kumimoji="0" lang="en-US" altLang="en-US" sz="1600" i="0" u="none" strike="noStrike" cap="none" normalizeH="0" baseline="0" dirty="0">
               <a:ln>
                 <a:noFill/>
               </a:ln>
@@ -4381,6 +4788,73 @@
               <a:effectLst/>
               <a:latin typeface="Arial" panose="020B0604020202020204" pitchFamily="34" charset="0"/>
             </a:endParaRPr>
+          </a:p>
+          <a:p>
+            <a:r>
+              <a:rPr lang="en-IN" b="1" dirty="0"/>
+              <a:t>SYS.OBJ$</a:t>
+            </a:r>
+          </a:p>
+          <a:p>
+            <a:r>
+              <a:rPr lang="en-IN" sz="1600" dirty="0"/>
+              <a:t>Stores information about </a:t>
+            </a:r>
+            <a:r>
+              <a:rPr lang="en-IN" sz="1600" b="1" dirty="0"/>
+              <a:t>all database objects</a:t>
+            </a:r>
+            <a:r>
+              <a:rPr lang="en-IN" sz="1600" dirty="0"/>
+              <a:t>.</a:t>
+            </a:r>
+          </a:p>
+          <a:p>
+            <a:r>
+              <a:rPr lang="en-IN" sz="1600" dirty="0"/>
+              <a:t>Objects = tables, views, indexes, procedures, triggers, etc.</a:t>
+            </a:r>
+          </a:p>
+          <a:p>
+            <a:r>
+              <a:rPr lang="en-IN" sz="1600" dirty="0"/>
+              <a:t>For each object, it keeps:</a:t>
+            </a:r>
+          </a:p>
+          <a:p>
+            <a:pPr lvl="1"/>
+            <a:r>
+              <a:rPr lang="en-IN" sz="1600" dirty="0"/>
+              <a:t>Object ID (unique number)</a:t>
+            </a:r>
+          </a:p>
+          <a:p>
+            <a:pPr lvl="1"/>
+            <a:r>
+              <a:rPr lang="en-IN" sz="1600" dirty="0"/>
+              <a:t>Object name</a:t>
+            </a:r>
+          </a:p>
+          <a:p>
+            <a:pPr lvl="1"/>
+            <a:r>
+              <a:rPr lang="en-IN" sz="1600" dirty="0"/>
+              <a:t>Object type (TABLE, VIEW, INDEX, etc.)</a:t>
+            </a:r>
+          </a:p>
+          <a:p>
+            <a:pPr lvl="1"/>
+            <a:r>
+              <a:rPr lang="en-IN" sz="1600" dirty="0"/>
+              <a:t>Owner ID (which user owns it)</a:t>
+            </a:r>
+          </a:p>
+          <a:p>
+            <a:pPr lvl="1"/>
+            <a:r>
+              <a:rPr lang="en-IN" sz="1600" dirty="0"/>
+              <a:t>Status (valid/invalid)</a:t>
+            </a:r>
           </a:p>
           <a:p>
             <a:pPr marL="0" marR="0" lvl="0" indent="0" algn="l" defTabSz="914400" rtl="0" eaLnBrk="0" fontAlgn="base" latinLnBrk="0" hangingPunct="0">
@@ -4396,63 +4870,10 @@
               <a:buClrTx/>
               <a:buSzTx/>
               <a:buFontTx/>
-              <a:buChar char="•"/>
+              <a:buNone/>
               <a:tabLst/>
             </a:pPr>
-            <a:r>
-              <a:rPr kumimoji="0" lang="en-US" altLang="en-US" sz="1600" b="0" i="0" u="none" strike="noStrike" cap="none" normalizeH="0" baseline="0" dirty="0">
-                <a:ln>
-                  <a:noFill/>
-                </a:ln>
-                <a:solidFill>
-                  <a:schemeClr val="tx1"/>
-                </a:solidFill>
-                <a:effectLst/>
-                <a:latin typeface="Arial" panose="020B0604020202020204" pitchFamily="34" charset="0"/>
-              </a:rPr>
-              <a:t>Examples of base tables:</a:t>
-            </a:r>
-          </a:p>
-          <a:p>
-            <a:pPr marL="457200" lvl="1" indent="0" eaLnBrk="0" fontAlgn="base" hangingPunct="0">
-              <a:lnSpc>
-                <a:spcPct val="150000"/>
-              </a:lnSpc>
-              <a:spcBef>
-                <a:spcPct val="0"/>
-              </a:spcBef>
-              <a:spcAft>
-                <a:spcPct val="0"/>
-              </a:spcAft>
-              <a:buFontTx/>
-              <a:buChar char="•"/>
-            </a:pPr>
-            <a:r>
-              <a:rPr kumimoji="0" lang="en-US" altLang="en-US" sz="1600" b="0" i="0" u="none" strike="noStrike" cap="none" normalizeH="0" baseline="0" dirty="0">
-                <a:ln>
-                  <a:noFill/>
-                </a:ln>
-                <a:solidFill>
-                  <a:schemeClr val="tx1"/>
-                </a:solidFill>
-                <a:effectLst/>
-                <a:latin typeface="Arial Unicode MS"/>
-              </a:rPr>
-              <a:t>SYS.OBJ$</a:t>
-            </a:r>
-            <a:r>
-              <a:rPr kumimoji="0" lang="en-US" altLang="en-US" sz="1600" b="0" i="0" u="none" strike="noStrike" cap="none" normalizeH="0" baseline="0" dirty="0">
-                <a:ln>
-                  <a:noFill/>
-                </a:ln>
-                <a:solidFill>
-                  <a:schemeClr val="tx1"/>
-                </a:solidFill>
-                <a:effectLst/>
-              </a:rPr>
-              <a:t> → stores objects like tables, views, indexes</a:t>
-            </a:r>
-            <a:endParaRPr kumimoji="0" lang="en-US" altLang="en-US" sz="1600" b="0" i="0" u="none" strike="noStrike" cap="none" normalizeH="0" baseline="0" dirty="0">
+            <a:endParaRPr kumimoji="0" lang="en-US" altLang="en-US" sz="1800" b="0" i="0" u="none" strike="noStrike" cap="none" normalizeH="0" baseline="0" dirty="0">
               <a:ln>
                 <a:noFill/>
               </a:ln>
@@ -4464,121 +4885,7 @@
             </a:endParaRPr>
           </a:p>
           <a:p>
-            <a:pPr marL="457200" lvl="1" indent="0" eaLnBrk="0" fontAlgn="base" hangingPunct="0">
-              <a:lnSpc>
-                <a:spcPct val="150000"/>
-              </a:lnSpc>
-              <a:spcBef>
-                <a:spcPct val="0"/>
-              </a:spcBef>
-              <a:spcAft>
-                <a:spcPct val="0"/>
-              </a:spcAft>
-              <a:buFontTx/>
-              <a:buChar char="•"/>
-            </a:pPr>
-            <a:r>
-              <a:rPr kumimoji="0" lang="en-US" altLang="en-US" sz="1600" b="0" i="0" u="none" strike="noStrike" cap="none" normalizeH="0" baseline="0" dirty="0">
-                <a:ln>
-                  <a:noFill/>
-                </a:ln>
-                <a:solidFill>
-                  <a:schemeClr val="tx1"/>
-                </a:solidFill>
-                <a:effectLst/>
-                <a:latin typeface="Arial Unicode MS"/>
-              </a:rPr>
-              <a:t>SYS.USER$</a:t>
-            </a:r>
-            <a:r>
-              <a:rPr kumimoji="0" lang="en-US" altLang="en-US" sz="1600" b="0" i="0" u="none" strike="noStrike" cap="none" normalizeH="0" baseline="0" dirty="0">
-                <a:ln>
-                  <a:noFill/>
-                </a:ln>
-                <a:solidFill>
-                  <a:schemeClr val="tx1"/>
-                </a:solidFill>
-                <a:effectLst/>
-              </a:rPr>
-              <a:t> → stores users</a:t>
-            </a:r>
-            <a:endParaRPr kumimoji="0" lang="en-US" altLang="en-US" sz="1600" b="0" i="0" u="none" strike="noStrike" cap="none" normalizeH="0" baseline="0" dirty="0">
-              <a:ln>
-                <a:noFill/>
-              </a:ln>
-              <a:solidFill>
-                <a:schemeClr val="tx1"/>
-              </a:solidFill>
-              <a:effectLst/>
-              <a:latin typeface="Arial" panose="020B0604020202020204" pitchFamily="34" charset="0"/>
-            </a:endParaRPr>
-          </a:p>
-          <a:p>
-            <a:pPr marL="457200" lvl="1" indent="0" eaLnBrk="0" fontAlgn="base" hangingPunct="0">
-              <a:lnSpc>
-                <a:spcPct val="150000"/>
-              </a:lnSpc>
-              <a:spcBef>
-                <a:spcPct val="0"/>
-              </a:spcBef>
-              <a:spcAft>
-                <a:spcPct val="0"/>
-              </a:spcAft>
-              <a:buFontTx/>
-              <a:buChar char="•"/>
-            </a:pPr>
-            <a:r>
-              <a:rPr kumimoji="0" lang="en-US" altLang="en-US" sz="1600" b="0" i="0" u="none" strike="noStrike" cap="none" normalizeH="0" baseline="0" dirty="0">
-                <a:ln>
-                  <a:noFill/>
-                </a:ln>
-                <a:solidFill>
-                  <a:schemeClr val="tx1"/>
-                </a:solidFill>
-                <a:effectLst/>
-                <a:latin typeface="Arial Unicode MS"/>
-              </a:rPr>
-              <a:t>SYS.SOURCE$</a:t>
-            </a:r>
-            <a:r>
-              <a:rPr kumimoji="0" lang="en-US" altLang="en-US" sz="1600" b="0" i="0" u="none" strike="noStrike" cap="none" normalizeH="0" baseline="0" dirty="0">
-                <a:ln>
-                  <a:noFill/>
-                </a:ln>
-                <a:solidFill>
-                  <a:schemeClr val="tx1"/>
-                </a:solidFill>
-                <a:effectLst/>
-              </a:rPr>
-              <a:t> → stores source code for views, procedures, triggers</a:t>
-            </a:r>
-          </a:p>
-          <a:p>
-            <a:pPr marL="457200" lvl="1" indent="0" eaLnBrk="0" fontAlgn="base" hangingPunct="0">
-              <a:lnSpc>
-                <a:spcPct val="150000"/>
-              </a:lnSpc>
-              <a:spcBef>
-                <a:spcPct val="0"/>
-              </a:spcBef>
-              <a:spcAft>
-                <a:spcPct val="0"/>
-              </a:spcAft>
-              <a:buFontTx/>
-              <a:buChar char="•"/>
-            </a:pPr>
-            <a:endParaRPr kumimoji="0" lang="en-US" altLang="en-US" sz="1600" b="0" i="0" u="none" strike="noStrike" cap="none" normalizeH="0" baseline="0" dirty="0">
-              <a:ln>
-                <a:noFill/>
-              </a:ln>
-              <a:solidFill>
-                <a:schemeClr val="tx1"/>
-              </a:solidFill>
-              <a:effectLst/>
-            </a:endParaRPr>
-          </a:p>
-          <a:p>
-            <a:pPr marL="0" lvl="0" indent="0" eaLnBrk="0" fontAlgn="base" hangingPunct="0">
+            <a:pPr marL="0" marR="0" lvl="0" indent="0" algn="l" defTabSz="914400" rtl="0" eaLnBrk="0" fontAlgn="base" latinLnBrk="0" hangingPunct="0">
               <a:lnSpc>
                 <a:spcPct val="100000"/>
               </a:lnSpc>
@@ -4588,20 +4895,18 @@
               <a:spcAft>
                 <a:spcPct val="0"/>
               </a:spcAft>
-              <a:buNone/>
-            </a:pPr>
-            <a:r>
-              <a:rPr lang="en-US" altLang="en-US" sz="1800" b="1" dirty="0">
-                <a:latin typeface="Arial" panose="020B0604020202020204" pitchFamily="34" charset="0"/>
-              </a:rPr>
-              <a:t>Direct Access:</a:t>
-            </a:r>
+              <a:buClrTx/>
+              <a:buSzTx/>
+              <a:buFontTx/>
+              <a:buNone/>
+              <a:tabLst/>
+            </a:pPr>
             <a:endParaRPr lang="en-US" altLang="en-US" sz="1800" dirty="0">
               <a:latin typeface="Arial" panose="020B0604020202020204" pitchFamily="34" charset="0"/>
             </a:endParaRPr>
           </a:p>
           <a:p>
-            <a:pPr marL="457200" lvl="1" indent="0" eaLnBrk="0" fontAlgn="base" hangingPunct="0">
+            <a:pPr marL="0" marR="0" lvl="0" indent="0" algn="l" defTabSz="914400" rtl="0" eaLnBrk="0" fontAlgn="base" latinLnBrk="0" hangingPunct="0">
               <a:lnSpc>
                 <a:spcPct val="100000"/>
               </a:lnSpc>
@@ -4611,188 +4916,13 @@
               <a:spcAft>
                 <a:spcPct val="0"/>
               </a:spcAft>
+              <a:buClrTx/>
+              <a:buSzTx/>
               <a:buFontTx/>
-              <a:buChar char="•"/>
-            </a:pPr>
-            <a:r>
-              <a:rPr lang="en-US" altLang="en-US" sz="1800" b="1" dirty="0">
-                <a:latin typeface="Arial" panose="020B0604020202020204" pitchFamily="34" charset="0"/>
-              </a:rPr>
-              <a:t>Normal users cannot query these SYS tables directly</a:t>
-            </a:r>
-            <a:r>
-              <a:rPr lang="en-US" altLang="en-US" sz="1800" dirty="0">
-                <a:latin typeface="Arial" panose="020B0604020202020204" pitchFamily="34" charset="0"/>
-              </a:rPr>
-              <a:t>.</a:t>
-            </a:r>
-          </a:p>
-          <a:p>
-            <a:pPr marL="457200" lvl="1" indent="0" eaLnBrk="0" fontAlgn="base" hangingPunct="0">
-              <a:lnSpc>
-                <a:spcPct val="100000"/>
-              </a:lnSpc>
-              <a:spcBef>
-                <a:spcPct val="0"/>
-              </a:spcBef>
-              <a:spcAft>
-                <a:spcPct val="0"/>
-              </a:spcAft>
-              <a:buNone/>
-            </a:pPr>
-            <a:endParaRPr lang="en-US" altLang="en-US" sz="1800" dirty="0">
-              <a:latin typeface="Arial" panose="020B0604020202020204" pitchFamily="34" charset="0"/>
-            </a:endParaRPr>
-          </a:p>
-          <a:p>
-            <a:pPr marL="0" lvl="0" indent="0" eaLnBrk="0" fontAlgn="base" hangingPunct="0">
-              <a:lnSpc>
-                <a:spcPct val="100000"/>
-              </a:lnSpc>
-              <a:spcBef>
-                <a:spcPct val="0"/>
-              </a:spcBef>
-              <a:spcAft>
-                <a:spcPct val="0"/>
-              </a:spcAft>
-              <a:buNone/>
-            </a:pPr>
-            <a:r>
-              <a:rPr lang="en-US" altLang="en-US" sz="1800" b="1" dirty="0">
-                <a:latin typeface="Arial" panose="020B0604020202020204" pitchFamily="34" charset="0"/>
-              </a:rPr>
-              <a:t>How We Access Data Dictionary:</a:t>
-            </a:r>
-            <a:endParaRPr lang="en-US" altLang="en-US" sz="1800" dirty="0">
-              <a:latin typeface="Arial" panose="020B0604020202020204" pitchFamily="34" charset="0"/>
-            </a:endParaRPr>
-          </a:p>
-          <a:p>
-            <a:pPr marL="457200" lvl="1" indent="0" eaLnBrk="0" fontAlgn="base" hangingPunct="0">
-              <a:lnSpc>
-                <a:spcPct val="100000"/>
-              </a:lnSpc>
-              <a:spcBef>
-                <a:spcPct val="0"/>
-              </a:spcBef>
-              <a:spcAft>
-                <a:spcPct val="0"/>
-              </a:spcAft>
-              <a:buFontTx/>
-              <a:buChar char="•"/>
-            </a:pPr>
-            <a:r>
-              <a:rPr lang="en-US" altLang="en-US" sz="1800" dirty="0">
-                <a:latin typeface="Arial" panose="020B0604020202020204" pitchFamily="34" charset="0"/>
-              </a:rPr>
-              <a:t>Oracle provides </a:t>
-            </a:r>
-            <a:r>
-              <a:rPr lang="en-US" altLang="en-US" sz="1800" b="1" dirty="0">
-                <a:latin typeface="Arial" panose="020B0604020202020204" pitchFamily="34" charset="0"/>
-              </a:rPr>
-              <a:t>predefined dictionary views</a:t>
-            </a:r>
-            <a:r>
-              <a:rPr lang="en-US" altLang="en-US" sz="1800" dirty="0">
-                <a:latin typeface="Arial" panose="020B0604020202020204" pitchFamily="34" charset="0"/>
-              </a:rPr>
-              <a:t> (USER_, ALL_, DBA_) as a </a:t>
-            </a:r>
-            <a:r>
-              <a:rPr lang="en-US" altLang="en-US" sz="1800" b="1" dirty="0">
-                <a:latin typeface="Arial" panose="020B0604020202020204" pitchFamily="34" charset="0"/>
-              </a:rPr>
-              <a:t>safe interface</a:t>
-            </a:r>
-            <a:r>
-              <a:rPr lang="en-US" altLang="en-US" sz="1800" dirty="0">
-                <a:latin typeface="Arial" panose="020B0604020202020204" pitchFamily="34" charset="0"/>
-              </a:rPr>
-              <a:t>:</a:t>
-            </a:r>
-          </a:p>
-          <a:p>
-            <a:pPr marL="914400" lvl="2" indent="0" eaLnBrk="0" fontAlgn="base" hangingPunct="0">
-              <a:lnSpc>
-                <a:spcPct val="100000"/>
-              </a:lnSpc>
-              <a:spcBef>
-                <a:spcPct val="0"/>
-              </a:spcBef>
-              <a:spcAft>
-                <a:spcPct val="0"/>
-              </a:spcAft>
-              <a:buFontTx/>
-              <a:buChar char="•"/>
-            </a:pPr>
-            <a:r>
-              <a:rPr lang="en-US" altLang="en-US" sz="1400" dirty="0">
-                <a:latin typeface="Arial Unicode MS"/>
-              </a:rPr>
-              <a:t>USER_OBJECTS</a:t>
-            </a:r>
-            <a:r>
-              <a:rPr lang="en-US" altLang="en-US" sz="1400" dirty="0"/>
-              <a:t> → Objects you own</a:t>
-            </a:r>
-            <a:endParaRPr lang="en-US" altLang="en-US" sz="1400" dirty="0">
-              <a:latin typeface="Arial" panose="020B0604020202020204" pitchFamily="34" charset="0"/>
-            </a:endParaRPr>
-          </a:p>
-          <a:p>
-            <a:pPr marL="914400" lvl="2" indent="0" eaLnBrk="0" fontAlgn="base" hangingPunct="0">
-              <a:lnSpc>
-                <a:spcPct val="100000"/>
-              </a:lnSpc>
-              <a:spcBef>
-                <a:spcPct val="0"/>
-              </a:spcBef>
-              <a:spcAft>
-                <a:spcPct val="0"/>
-              </a:spcAft>
-              <a:buFontTx/>
-              <a:buChar char="•"/>
-            </a:pPr>
-            <a:r>
-              <a:rPr lang="en-US" altLang="en-US" sz="1400" dirty="0">
-                <a:latin typeface="Arial Unicode MS"/>
-              </a:rPr>
-              <a:t>USER_VIEWS</a:t>
-            </a:r>
-            <a:r>
-              <a:rPr lang="en-US" altLang="en-US" sz="1400" dirty="0"/>
-              <a:t> → Your views’ SQL query</a:t>
-            </a:r>
-            <a:endParaRPr lang="en-US" altLang="en-US" sz="1400" dirty="0">
-              <a:latin typeface="Arial" panose="020B0604020202020204" pitchFamily="34" charset="0"/>
-            </a:endParaRPr>
-          </a:p>
-          <a:p>
-            <a:pPr marL="914400" lvl="2" indent="0" eaLnBrk="0" fontAlgn="base" hangingPunct="0">
-              <a:lnSpc>
-                <a:spcPct val="100000"/>
-              </a:lnSpc>
-              <a:spcBef>
-                <a:spcPct val="0"/>
-              </a:spcBef>
-              <a:spcAft>
-                <a:spcPct val="0"/>
-              </a:spcAft>
-              <a:buFontTx/>
-              <a:buChar char="•"/>
-            </a:pPr>
-            <a:r>
-              <a:rPr lang="en-US" altLang="en-US" sz="1400" dirty="0">
-                <a:latin typeface="Arial Unicode MS"/>
-              </a:rPr>
-              <a:t>USER_DEPENDENCIES</a:t>
-            </a:r>
-            <a:r>
-              <a:rPr lang="en-US" altLang="en-US" sz="1400" dirty="0"/>
-              <a:t> → Dependencies of your objects</a:t>
-            </a:r>
-            <a:endParaRPr kumimoji="0" lang="en-US" altLang="en-US" sz="1400" b="0" i="0" u="none" strike="noStrike" cap="none" normalizeH="0" baseline="0" dirty="0">
+              <a:buNone/>
+              <a:tabLst/>
+            </a:pPr>
+            <a:endParaRPr kumimoji="0" lang="en-US" altLang="en-US" sz="1800" b="0" i="0" u="none" strike="noStrike" cap="none" normalizeH="0" baseline="0" dirty="0">
               <a:ln>
                 <a:noFill/>
               </a:ln>
@@ -5536,7 +5666,7 @@
           <p:cNvPr id="2" name="Title 1">
             <a:extLst>
               <a:ext uri="{FF2B5EF4-FFF2-40B4-BE49-F238E27FC236}">
-                <a16:creationId xmlns:a16="http://schemas.microsoft.com/office/drawing/2014/main" id="{87501F2E-D19C-4859-BFAD-23E0ED7379A0}"/>
+                <a16:creationId xmlns:a16="http://schemas.microsoft.com/office/drawing/2014/main" id="{8B498166-6D4D-4146-AB13-45B2CEA693FA}"/>
               </a:ext>
             </a:extLst>
           </p:cNvPr>
@@ -5547,73 +5677,142 @@
             <p:ph type="title"/>
           </p:nvPr>
         </p:nvSpPr>
+        <p:spPr>
+          <a:xfrm>
+            <a:off x="838200" y="329266"/>
+            <a:ext cx="10515600" cy="1325563"/>
+          </a:xfrm>
+        </p:spPr>
+        <p:txBody>
+          <a:bodyPr/>
+          <a:lstStyle/>
+          <a:p>
+            <a:r>
+              <a:rPr lang="en-US" b="1" dirty="0"/>
+              <a:t>What is a Complex View?</a:t>
+            </a:r>
+            <a:endParaRPr lang="en-IN" dirty="0"/>
+          </a:p>
+        </p:txBody>
+      </p:sp>
+      <p:sp>
+        <p:nvSpPr>
+          <p:cNvPr id="3" name="Content Placeholder 2">
+            <a:extLst>
+              <a:ext uri="{FF2B5EF4-FFF2-40B4-BE49-F238E27FC236}">
+                <a16:creationId xmlns:a16="http://schemas.microsoft.com/office/drawing/2014/main" id="{D40C81DF-B59A-4CA7-98ED-C76B3EA035E7}"/>
+              </a:ext>
+            </a:extLst>
+          </p:cNvPr>
+          <p:cNvSpPr>
+            <a:spLocks noGrp="1"/>
+          </p:cNvSpPr>
+          <p:nvPr>
+            <p:ph idx="1"/>
+          </p:nvPr>
+        </p:nvSpPr>
         <p:spPr/>
         <p:txBody>
-          <a:bodyPr/>
-          <a:lstStyle/>
-          <a:p>
-            <a:r>
-              <a:rPr lang="en-IN" b="1" dirty="0"/>
+          <a:bodyPr>
+            <a:normAutofit/>
+          </a:bodyPr>
+          <a:lstStyle/>
+          <a:p>
+            <a:r>
+              <a:rPr lang="en-US" dirty="0"/>
+              <a:t>A </a:t>
+            </a:r>
+            <a:r>
+              <a:rPr lang="en-US" b="1" dirty="0"/>
               <a:t>Complex View</a:t>
             </a:r>
-          </a:p>
-        </p:txBody>
-      </p:sp>
-      <p:sp>
-        <p:nvSpPr>
-          <p:cNvPr id="3" name="Content Placeholder 2">
-            <a:extLst>
-              <a:ext uri="{FF2B5EF4-FFF2-40B4-BE49-F238E27FC236}">
-                <a16:creationId xmlns:a16="http://schemas.microsoft.com/office/drawing/2014/main" id="{50783C07-B76C-4FEB-8A25-260401181392}"/>
-              </a:ext>
-            </a:extLst>
-          </p:cNvPr>
-          <p:cNvSpPr>
-            <a:spLocks noGrp="1"/>
-          </p:cNvSpPr>
-          <p:nvPr>
-            <p:ph idx="1"/>
-          </p:nvPr>
-        </p:nvSpPr>
-        <p:spPr/>
-        <p:txBody>
-          <a:bodyPr/>
-          <a:lstStyle/>
-          <a:p>
-            <a:pPr>
-              <a:buFont typeface="Wingdings" panose="05000000000000000000" pitchFamily="2" charset="2"/>
-              <a:buChar char="Ø"/>
-            </a:pPr>
-            <a:r>
-              <a:rPr lang="en-IN" b="1" dirty="0"/>
-              <a:t> Definition:</a:t>
-            </a:r>
-          </a:p>
-          <a:p>
             <a:r>
               <a:rPr lang="en-US" dirty="0"/>
-              <a:t>A complex view is a type of view that is created using two or more tables. It may include joins, aggregate functions like SUM or AVG, and clauses such as GROUP BY, HAVING, or DISTINCT. </a:t>
-            </a:r>
-          </a:p>
-          <a:p>
+              <a:t> in Oracle is a </a:t>
+            </a:r>
+            <a:r>
+              <a:rPr lang="en-US" b="1" dirty="0"/>
+              <a:t>virtual table</a:t>
+            </a:r>
             <a:r>
               <a:rPr lang="en-US" dirty="0"/>
-              <a:t>This view is mostly used to combine or summarize data for reporting purposes. Unlike simple views, you usually cannot insert, update, or delete records through it. The main purpose of a complex view is to make complicated queries easier and more readable.</a:t>
-            </a:r>
-            <a:endParaRPr lang="en-IN" b="1" dirty="0"/>
-          </a:p>
-          <a:p>
-            <a:pPr marL="0" indent="0">
-              <a:buNone/>
-            </a:pPr>
-            <a:endParaRPr lang="en-IN" b="1" dirty="0"/>
+              <a:t> that is created using a SQL query which involves </a:t>
+            </a:r>
+            <a:r>
+              <a:rPr lang="en-US" b="1" dirty="0"/>
+              <a:t>one or more of the following features</a:t>
+            </a:r>
+            <a:r>
+              <a:rPr lang="en-US" dirty="0"/>
+              <a:t>:</a:t>
+            </a:r>
+          </a:p>
+          <a:p>
+            <a:r>
+              <a:rPr lang="en-US" b="1" dirty="0"/>
+              <a:t>Joins</a:t>
+            </a:r>
+            <a:r>
+              <a:rPr lang="en-US" dirty="0"/>
+              <a:t> (combining multiple tables)</a:t>
+            </a:r>
+          </a:p>
+          <a:p>
+            <a:r>
+              <a:rPr lang="en-US" b="1" dirty="0"/>
+              <a:t>GROUP BY / HAVING</a:t>
+            </a:r>
+            <a:r>
+              <a:rPr lang="en-US" dirty="0"/>
+              <a:t> clauses</a:t>
+            </a:r>
+          </a:p>
+          <a:p>
+            <a:r>
+              <a:rPr lang="en-US" b="1" dirty="0"/>
+              <a:t>DISTINCT</a:t>
+            </a:r>
+            <a:r>
+              <a:rPr lang="en-US" dirty="0"/>
+              <a:t> keyword</a:t>
+            </a:r>
+          </a:p>
+          <a:p>
+            <a:r>
+              <a:rPr lang="en-US" b="1" dirty="0"/>
+              <a:t>Aggregations</a:t>
+            </a:r>
+            <a:r>
+              <a:rPr lang="en-US" dirty="0"/>
+              <a:t> (SUM, COUNT, AVG, etc.)</a:t>
+            </a:r>
+          </a:p>
+          <a:p>
+            <a:r>
+              <a:rPr lang="en-US" b="1" dirty="0"/>
+              <a:t>Subqueries</a:t>
+            </a:r>
+            <a:endParaRPr lang="en-US" dirty="0"/>
+          </a:p>
+          <a:p>
+            <a:r>
+              <a:rPr lang="en-US" b="1" dirty="0"/>
+              <a:t>Set operations</a:t>
+            </a:r>
+            <a:r>
+              <a:rPr lang="en-US" dirty="0"/>
+              <a:t> (UNION, INTERSECT, MINUS)</a:t>
+            </a:r>
+          </a:p>
+          <a:p>
+            <a:endParaRPr lang="en-IN" dirty="0"/>
           </a:p>
         </p:txBody>
       </p:sp>
     </p:spTree>
     <p:extLst>
       <p:ext uri="{BB962C8B-B14F-4D97-AF65-F5344CB8AC3E}">
-        <p14:creationId xmlns:p14="http://schemas.microsoft.com/office/powerpoint/2010/main" val="2656703902"/>
+        <p14:creationId xmlns:p14="http://schemas.microsoft.com/office/powerpoint/2010/main" val="366415280"/>
       </p:ext>
     </p:extLst>
   </p:cSld>
